--- a/WordFile PDF/DataFlowGraph.pptx
+++ b/WordFile PDF/DataFlowGraph.pptx
@@ -273,7 +273,7 @@
           <a:p>
             <a:fld id="{9907B7EC-5D88-44EF-998A-DCF5AA3173DC}" type="datetimeFigureOut">
               <a:rPr lang="en-US" smtClean="0"/>
-              <a:t>3/13/2019</a:t>
+              <a:t>3/14/2019</a:t>
             </a:fld>
             <a:endParaRPr lang="en-US"/>
           </a:p>
@@ -473,7 +473,7 @@
           <a:p>
             <a:fld id="{9907B7EC-5D88-44EF-998A-DCF5AA3173DC}" type="datetimeFigureOut">
               <a:rPr lang="en-US" smtClean="0"/>
-              <a:t>3/13/2019</a:t>
+              <a:t>3/14/2019</a:t>
             </a:fld>
             <a:endParaRPr lang="en-US"/>
           </a:p>
@@ -683,7 +683,7 @@
           <a:p>
             <a:fld id="{9907B7EC-5D88-44EF-998A-DCF5AA3173DC}" type="datetimeFigureOut">
               <a:rPr lang="en-US" smtClean="0"/>
-              <a:t>3/13/2019</a:t>
+              <a:t>3/14/2019</a:t>
             </a:fld>
             <a:endParaRPr lang="en-US"/>
           </a:p>
@@ -883,7 +883,7 @@
           <a:p>
             <a:fld id="{9907B7EC-5D88-44EF-998A-DCF5AA3173DC}" type="datetimeFigureOut">
               <a:rPr lang="en-US" smtClean="0"/>
-              <a:t>3/13/2019</a:t>
+              <a:t>3/14/2019</a:t>
             </a:fld>
             <a:endParaRPr lang="en-US"/>
           </a:p>
@@ -1159,7 +1159,7 @@
           <a:p>
             <a:fld id="{9907B7EC-5D88-44EF-998A-DCF5AA3173DC}" type="datetimeFigureOut">
               <a:rPr lang="en-US" smtClean="0"/>
-              <a:t>3/13/2019</a:t>
+              <a:t>3/14/2019</a:t>
             </a:fld>
             <a:endParaRPr lang="en-US"/>
           </a:p>
@@ -1427,7 +1427,7 @@
           <a:p>
             <a:fld id="{9907B7EC-5D88-44EF-998A-DCF5AA3173DC}" type="datetimeFigureOut">
               <a:rPr lang="en-US" smtClean="0"/>
-              <a:t>3/13/2019</a:t>
+              <a:t>3/14/2019</a:t>
             </a:fld>
             <a:endParaRPr lang="en-US"/>
           </a:p>
@@ -1842,7 +1842,7 @@
           <a:p>
             <a:fld id="{9907B7EC-5D88-44EF-998A-DCF5AA3173DC}" type="datetimeFigureOut">
               <a:rPr lang="en-US" smtClean="0"/>
-              <a:t>3/13/2019</a:t>
+              <a:t>3/14/2019</a:t>
             </a:fld>
             <a:endParaRPr lang="en-US"/>
           </a:p>
@@ -1984,7 +1984,7 @@
           <a:p>
             <a:fld id="{9907B7EC-5D88-44EF-998A-DCF5AA3173DC}" type="datetimeFigureOut">
               <a:rPr lang="en-US" smtClean="0"/>
-              <a:t>3/13/2019</a:t>
+              <a:t>3/14/2019</a:t>
             </a:fld>
             <a:endParaRPr lang="en-US"/>
           </a:p>
@@ -2097,7 +2097,7 @@
           <a:p>
             <a:fld id="{9907B7EC-5D88-44EF-998A-DCF5AA3173DC}" type="datetimeFigureOut">
               <a:rPr lang="en-US" smtClean="0"/>
-              <a:t>3/13/2019</a:t>
+              <a:t>3/14/2019</a:t>
             </a:fld>
             <a:endParaRPr lang="en-US"/>
           </a:p>
@@ -2410,7 +2410,7 @@
           <a:p>
             <a:fld id="{9907B7EC-5D88-44EF-998A-DCF5AA3173DC}" type="datetimeFigureOut">
               <a:rPr lang="en-US" smtClean="0"/>
-              <a:t>3/13/2019</a:t>
+              <a:t>3/14/2019</a:t>
             </a:fld>
             <a:endParaRPr lang="en-US"/>
           </a:p>
@@ -2699,7 +2699,7 @@
           <a:p>
             <a:fld id="{9907B7EC-5D88-44EF-998A-DCF5AA3173DC}" type="datetimeFigureOut">
               <a:rPr lang="en-US" smtClean="0"/>
-              <a:t>3/13/2019</a:t>
+              <a:t>3/14/2019</a:t>
             </a:fld>
             <a:endParaRPr lang="en-US"/>
           </a:p>
@@ -2942,7 +2942,7 @@
           <a:p>
             <a:fld id="{9907B7EC-5D88-44EF-998A-DCF5AA3173DC}" type="datetimeFigureOut">
               <a:rPr lang="en-US" smtClean="0"/>
-              <a:t>3/13/2019</a:t>
+              <a:t>3/14/2019</a:t>
             </a:fld>
             <a:endParaRPr lang="en-US"/>
           </a:p>
@@ -3373,7 +3373,7 @@
         </p:nvSpPr>
         <p:spPr>
           <a:xfrm>
-            <a:off x="840031" y="1404657"/>
+            <a:off x="382831" y="291475"/>
             <a:ext cx="1152000" cy="1152000"/>
           </a:xfrm>
           <a:prstGeom prst="flowChartConnector">
@@ -3428,7 +3428,7 @@
         </p:nvCxnSpPr>
         <p:spPr>
           <a:xfrm flipV="1">
-            <a:off x="1992031" y="1975268"/>
+            <a:off x="1534831" y="862086"/>
             <a:ext cx="606941" cy="5389"/>
           </a:xfrm>
           <a:prstGeom prst="straightConnector1">
@@ -3470,7 +3470,7 @@
         </p:nvCxnSpPr>
         <p:spPr>
           <a:xfrm flipH="1">
-            <a:off x="4418136" y="2554728"/>
+            <a:off x="3960936" y="1441546"/>
             <a:ext cx="282971" cy="617856"/>
           </a:xfrm>
           <a:prstGeom prst="straightConnector1">
@@ -3509,7 +3509,7 @@
         </p:nvSpPr>
         <p:spPr>
           <a:xfrm>
-            <a:off x="2057942" y="1605936"/>
+            <a:off x="1600742" y="492754"/>
             <a:ext cx="442542" cy="369332"/>
           </a:xfrm>
           <a:prstGeom prst="rect">
@@ -3544,7 +3544,7 @@
         </p:nvSpPr>
         <p:spPr>
           <a:xfrm>
-            <a:off x="4565218" y="2592907"/>
+            <a:off x="4108018" y="1479725"/>
             <a:ext cx="442542" cy="369332"/>
           </a:xfrm>
           <a:prstGeom prst="rect">
@@ -3579,7 +3579,7 @@
         </p:nvSpPr>
         <p:spPr>
           <a:xfrm>
-            <a:off x="3434842" y="3003878"/>
+            <a:off x="2977642" y="1890696"/>
             <a:ext cx="1152000" cy="1152000"/>
           </a:xfrm>
           <a:prstGeom prst="flowChartConnector">
@@ -3631,7 +3631,7 @@
         </p:nvSpPr>
         <p:spPr>
           <a:xfrm>
-            <a:off x="4125107" y="1402728"/>
+            <a:off x="3667907" y="289546"/>
             <a:ext cx="1152000" cy="1152000"/>
           </a:xfrm>
           <a:prstGeom prst="flowChartConnector">
@@ -3683,7 +3683,7 @@
         </p:nvSpPr>
         <p:spPr>
           <a:xfrm>
-            <a:off x="2598972" y="1399268"/>
+            <a:off x="2141772" y="286086"/>
             <a:ext cx="1152000" cy="1152000"/>
           </a:xfrm>
           <a:prstGeom prst="flowChartConnector">
@@ -3738,7 +3738,7 @@
         </p:nvCxnSpPr>
         <p:spPr>
           <a:xfrm>
-            <a:off x="3174972" y="2551268"/>
+            <a:off x="2717772" y="1438086"/>
             <a:ext cx="428576" cy="621316"/>
           </a:xfrm>
           <a:prstGeom prst="straightConnector1">
@@ -3777,7 +3777,7 @@
         </p:nvSpPr>
         <p:spPr>
           <a:xfrm>
-            <a:off x="3084283" y="2673583"/>
+            <a:off x="2627083" y="1560401"/>
             <a:ext cx="442542" cy="369332"/>
           </a:xfrm>
           <a:prstGeom prst="rect">
